--- a/docs/sql.pptx
+++ b/docs/sql.pptx
@@ -104,6 +104,11 @@
       </a:defRPr>
     </a:lvl9pPr>
   </p:defaultTextStyle>
+  <p:extLst>
+    <p:ext uri="{EFAFB233-063F-42B5-8137-9DF3F51BA10A}">
+      <p15:sldGuideLst xmlns:p15="http://schemas.microsoft.com/office/powerpoint/2012/main"/>
+    </p:ext>
+  </p:extLst>
 </p:presentation>
 </file>
 
@@ -254,7 +259,7 @@
           <a:p>
             <a:fld id="{9B972FE8-9A03-AC4F-B54F-FA717F7EAA99}" type="datetimeFigureOut">
               <a:rPr lang="en-US" smtClean="0"/>
-              <a:t>3/29/19</a:t>
+              <a:t>6/1/19</a:t>
             </a:fld>
             <a:endParaRPr lang="en-US"/>
           </a:p>
@@ -452,7 +457,7 @@
           <a:p>
             <a:fld id="{9B972FE8-9A03-AC4F-B54F-FA717F7EAA99}" type="datetimeFigureOut">
               <a:rPr lang="en-US" smtClean="0"/>
-              <a:t>3/29/19</a:t>
+              <a:t>6/1/19</a:t>
             </a:fld>
             <a:endParaRPr lang="en-US"/>
           </a:p>
@@ -660,7 +665,7 @@
           <a:p>
             <a:fld id="{9B972FE8-9A03-AC4F-B54F-FA717F7EAA99}" type="datetimeFigureOut">
               <a:rPr lang="en-US" smtClean="0"/>
-              <a:t>3/29/19</a:t>
+              <a:t>6/1/19</a:t>
             </a:fld>
             <a:endParaRPr lang="en-US"/>
           </a:p>
@@ -858,7 +863,7 @@
           <a:p>
             <a:fld id="{9B972FE8-9A03-AC4F-B54F-FA717F7EAA99}" type="datetimeFigureOut">
               <a:rPr lang="en-US" smtClean="0"/>
-              <a:t>3/29/19</a:t>
+              <a:t>6/1/19</a:t>
             </a:fld>
             <a:endParaRPr lang="en-US"/>
           </a:p>
@@ -1133,7 +1138,7 @@
           <a:p>
             <a:fld id="{9B972FE8-9A03-AC4F-B54F-FA717F7EAA99}" type="datetimeFigureOut">
               <a:rPr lang="en-US" smtClean="0"/>
-              <a:t>3/29/19</a:t>
+              <a:t>6/1/19</a:t>
             </a:fld>
             <a:endParaRPr lang="en-US"/>
           </a:p>
@@ -1398,7 +1403,7 @@
           <a:p>
             <a:fld id="{9B972FE8-9A03-AC4F-B54F-FA717F7EAA99}" type="datetimeFigureOut">
               <a:rPr lang="en-US" smtClean="0"/>
-              <a:t>3/29/19</a:t>
+              <a:t>6/1/19</a:t>
             </a:fld>
             <a:endParaRPr lang="en-US"/>
           </a:p>
@@ -1810,7 +1815,7 @@
           <a:p>
             <a:fld id="{9B972FE8-9A03-AC4F-B54F-FA717F7EAA99}" type="datetimeFigureOut">
               <a:rPr lang="en-US" smtClean="0"/>
-              <a:t>3/29/19</a:t>
+              <a:t>6/1/19</a:t>
             </a:fld>
             <a:endParaRPr lang="en-US"/>
           </a:p>
@@ -1951,7 +1956,7 @@
           <a:p>
             <a:fld id="{9B972FE8-9A03-AC4F-B54F-FA717F7EAA99}" type="datetimeFigureOut">
               <a:rPr lang="en-US" smtClean="0"/>
-              <a:t>3/29/19</a:t>
+              <a:t>6/1/19</a:t>
             </a:fld>
             <a:endParaRPr lang="en-US"/>
           </a:p>
@@ -2064,7 +2069,7 @@
           <a:p>
             <a:fld id="{9B972FE8-9A03-AC4F-B54F-FA717F7EAA99}" type="datetimeFigureOut">
               <a:rPr lang="en-US" smtClean="0"/>
-              <a:t>3/29/19</a:t>
+              <a:t>6/1/19</a:t>
             </a:fld>
             <a:endParaRPr lang="en-US"/>
           </a:p>
@@ -2375,7 +2380,7 @@
           <a:p>
             <a:fld id="{9B972FE8-9A03-AC4F-B54F-FA717F7EAA99}" type="datetimeFigureOut">
               <a:rPr lang="en-US" smtClean="0"/>
-              <a:t>3/29/19</a:t>
+              <a:t>6/1/19</a:t>
             </a:fld>
             <a:endParaRPr lang="en-US"/>
           </a:p>
@@ -2663,7 +2668,7 @@
           <a:p>
             <a:fld id="{9B972FE8-9A03-AC4F-B54F-FA717F7EAA99}" type="datetimeFigureOut">
               <a:rPr lang="en-US" smtClean="0"/>
-              <a:t>3/29/19</a:t>
+              <a:t>6/1/19</a:t>
             </a:fld>
             <a:endParaRPr lang="en-US"/>
           </a:p>
@@ -2904,7 +2909,7 @@
           <a:p>
             <a:fld id="{9B972FE8-9A03-AC4F-B54F-FA717F7EAA99}" type="datetimeFigureOut">
               <a:rPr lang="en-US" smtClean="0"/>
-              <a:t>3/29/19</a:t>
+              <a:t>6/1/19</a:t>
             </a:fld>
             <a:endParaRPr lang="en-US"/>
           </a:p>
@@ -3321,6 +3326,201 @@
           <a:chExt cx="0" cy="0"/>
         </a:xfrm>
       </p:grpSpPr>
+      <p:sp>
+        <p:nvSpPr>
+          <p:cNvPr id="3" name="Rectangle 2">
+            <a:extLst>
+              <a:ext uri="{FF2B5EF4-FFF2-40B4-BE49-F238E27FC236}">
+                <a16:creationId xmlns:a16="http://schemas.microsoft.com/office/drawing/2014/main" id="{B9FDDC5F-398B-DA43-8C5B-ED8795D80960}"/>
+              </a:ext>
+            </a:extLst>
+          </p:cNvPr>
+          <p:cNvSpPr/>
+          <p:nvPr/>
+        </p:nvSpPr>
+        <p:spPr>
+          <a:xfrm>
+            <a:off x="1674688" y="976045"/>
+            <a:ext cx="6637105" cy="4510355"/>
+          </a:xfrm>
+          <a:prstGeom prst="rect">
+            <a:avLst/>
+          </a:prstGeom>
+        </p:spPr>
+        <p:style>
+          <a:lnRef idx="2">
+            <a:schemeClr val="accent1">
+              <a:shade val="50000"/>
+            </a:schemeClr>
+          </a:lnRef>
+          <a:fillRef idx="1">
+            <a:schemeClr val="accent1"/>
+          </a:fillRef>
+          <a:effectRef idx="0">
+            <a:schemeClr val="accent1"/>
+          </a:effectRef>
+          <a:fontRef idx="minor">
+            <a:schemeClr val="lt1"/>
+          </a:fontRef>
+        </p:style>
+        <p:txBody>
+          <a:bodyPr rtlCol="0" anchor="ctr"/>
+          <a:lstStyle/>
+          <a:p>
+            <a:pPr algn="ctr"/>
+            <a:endParaRPr lang="en-US"/>
+          </a:p>
+        </p:txBody>
+      </p:sp>
+      <p:pic>
+        <p:nvPicPr>
+          <p:cNvPr id="2" name="Picture 1">
+            <a:extLst>
+              <a:ext uri="{FF2B5EF4-FFF2-40B4-BE49-F238E27FC236}">
+                <a16:creationId xmlns:a16="http://schemas.microsoft.com/office/drawing/2014/main" id="{016BBA9F-026F-4B45-AE4E-E427D4F9F83C}"/>
+              </a:ext>
+            </a:extLst>
+          </p:cNvPr>
+          <p:cNvPicPr>
+            <a:picLocks noChangeAspect="1"/>
+          </p:cNvPicPr>
+          <p:nvPr/>
+        </p:nvPicPr>
+        <p:blipFill>
+          <a:blip r:embed="rId2">
+            <a:extLst>
+              <a:ext uri="{BEBA8EAE-BF5A-486C-A8C5-ECC9F3942E4B}">
+                <a14:imgProps xmlns:a14="http://schemas.microsoft.com/office/drawing/2010/main">
+                  <a14:imgLayer r:embed="rId3">
+                    <a14:imgEffect>
+                      <a14:colorTemperature colorTemp="4700"/>
+                    </a14:imgEffect>
+                    <a14:imgEffect>
+                      <a14:brightnessContrast bright="-20000"/>
+                    </a14:imgEffect>
+                  </a14:imgLayer>
+                </a14:imgProps>
+              </a:ext>
+            </a:extLst>
+          </a:blip>
+          <a:stretch>
+            <a:fillRect/>
+          </a:stretch>
+        </p:blipFill>
+        <p:spPr>
+          <a:xfrm>
+            <a:off x="2166356" y="2052262"/>
+            <a:ext cx="2247301" cy="2357919"/>
+          </a:xfrm>
+          <a:prstGeom prst="rect">
+            <a:avLst/>
+          </a:prstGeom>
+        </p:spPr>
+      </p:pic>
+      <p:sp>
+        <p:nvSpPr>
+          <p:cNvPr id="4" name="TextBox 3">
+            <a:extLst>
+              <a:ext uri="{FF2B5EF4-FFF2-40B4-BE49-F238E27FC236}">
+                <a16:creationId xmlns:a16="http://schemas.microsoft.com/office/drawing/2014/main" id="{2C66DD6B-C321-0148-A6A5-4F46A5F62CA8}"/>
+              </a:ext>
+            </a:extLst>
+          </p:cNvPr>
+          <p:cNvSpPr txBox="1"/>
+          <p:nvPr/>
+        </p:nvSpPr>
+        <p:spPr>
+          <a:xfrm>
+            <a:off x="4274569" y="2794155"/>
+            <a:ext cx="3948260" cy="1169551"/>
+          </a:xfrm>
+          <a:prstGeom prst="rect">
+            <a:avLst/>
+          </a:prstGeom>
+          <a:noFill/>
+        </p:spPr>
+        <p:txBody>
+          <a:bodyPr wrap="none" rtlCol="0">
+            <a:spAutoFit/>
+          </a:bodyPr>
+          <a:lstStyle/>
+          <a:p>
+            <a:r>
+              <a:rPr lang="en-US" sz="7000" b="1">
+                <a:ln w="10160">
+                  <a:solidFill>
+                    <a:schemeClr val="accent5"/>
+                  </a:solidFill>
+                  <a:prstDash val="solid"/>
+                </a:ln>
+                <a:solidFill>
+                  <a:srgbClr val="FFFFFF"/>
+                </a:solidFill>
+                <a:effectLst>
+                  <a:outerShdw blurRad="38100" dist="22860" dir="5400000" algn="tl" rotWithShape="0">
+                    <a:srgbClr val="000000">
+                      <a:alpha val="30000"/>
+                    </a:srgbClr>
+                  </a:outerShdw>
+                </a:effectLst>
+              </a:rPr>
+              <a:t>ORDER BY</a:t>
+            </a:r>
+          </a:p>
+        </p:txBody>
+      </p:sp>
+      <p:sp>
+        <p:nvSpPr>
+          <p:cNvPr id="5" name="TextBox 4">
+            <a:extLst>
+              <a:ext uri="{FF2B5EF4-FFF2-40B4-BE49-F238E27FC236}">
+                <a16:creationId xmlns:a16="http://schemas.microsoft.com/office/drawing/2014/main" id="{24A4EC00-3300-F643-A517-456DACF8FE32}"/>
+              </a:ext>
+            </a:extLst>
+          </p:cNvPr>
+          <p:cNvSpPr txBox="1"/>
+          <p:nvPr/>
+        </p:nvSpPr>
+        <p:spPr>
+          <a:xfrm>
+            <a:off x="4368294" y="2052262"/>
+            <a:ext cx="2633093" cy="707886"/>
+          </a:xfrm>
+          <a:prstGeom prst="rect">
+            <a:avLst/>
+          </a:prstGeom>
+          <a:noFill/>
+        </p:spPr>
+        <p:txBody>
+          <a:bodyPr wrap="none" rtlCol="0">
+            <a:spAutoFit/>
+          </a:bodyPr>
+          <a:lstStyle/>
+          <a:p>
+            <a:r>
+              <a:rPr lang="en-US" sz="4000" b="1">
+                <a:ln w="10160">
+                  <a:solidFill>
+                    <a:schemeClr val="accent5"/>
+                  </a:solidFill>
+                  <a:prstDash val="solid"/>
+                </a:ln>
+                <a:solidFill>
+                  <a:srgbClr val="FFFFFF"/>
+                </a:solidFill>
+                <a:effectLst>
+                  <a:outerShdw blurRad="38100" dist="22860" dir="5400000" algn="tl" rotWithShape="0">
+                    <a:srgbClr val="000000">
+                      <a:alpha val="30000"/>
+                    </a:srgbClr>
+                  </a:outerShdw>
+                </a:effectLst>
+              </a:rPr>
+              <a:t>Sắp xếp với</a:t>
+            </a:r>
+          </a:p>
+        </p:txBody>
+      </p:sp>
     </p:spTree>
     <p:extLst>
       <p:ext uri="{BB962C8B-B14F-4D97-AF65-F5344CB8AC3E}">

--- a/docs/sql.pptx
+++ b/docs/sql.pptx
@@ -6,6 +6,7 @@
   </p:sldMasterIdLst>
   <p:sldIdLst>
     <p:sldId id="256" r:id="rId2"/>
+    <p:sldId id="257" r:id="rId3"/>
   </p:sldIdLst>
   <p:sldSz cx="12192000" cy="6858000"/>
   <p:notesSz cx="6858000" cy="9144000"/>
@@ -259,7 +260,7 @@
           <a:p>
             <a:fld id="{9B972FE8-9A03-AC4F-B54F-FA717F7EAA99}" type="datetimeFigureOut">
               <a:rPr lang="en-US" smtClean="0"/>
-              <a:t>6/1/19</a:t>
+              <a:t>7/6/21</a:t>
             </a:fld>
             <a:endParaRPr lang="en-US"/>
           </a:p>
@@ -457,7 +458,7 @@
           <a:p>
             <a:fld id="{9B972FE8-9A03-AC4F-B54F-FA717F7EAA99}" type="datetimeFigureOut">
               <a:rPr lang="en-US" smtClean="0"/>
-              <a:t>6/1/19</a:t>
+              <a:t>7/6/21</a:t>
             </a:fld>
             <a:endParaRPr lang="en-US"/>
           </a:p>
@@ -665,7 +666,7 @@
           <a:p>
             <a:fld id="{9B972FE8-9A03-AC4F-B54F-FA717F7EAA99}" type="datetimeFigureOut">
               <a:rPr lang="en-US" smtClean="0"/>
-              <a:t>6/1/19</a:t>
+              <a:t>7/6/21</a:t>
             </a:fld>
             <a:endParaRPr lang="en-US"/>
           </a:p>
@@ -863,7 +864,7 @@
           <a:p>
             <a:fld id="{9B972FE8-9A03-AC4F-B54F-FA717F7EAA99}" type="datetimeFigureOut">
               <a:rPr lang="en-US" smtClean="0"/>
-              <a:t>6/1/19</a:t>
+              <a:t>7/6/21</a:t>
             </a:fld>
             <a:endParaRPr lang="en-US"/>
           </a:p>
@@ -1138,7 +1139,7 @@
           <a:p>
             <a:fld id="{9B972FE8-9A03-AC4F-B54F-FA717F7EAA99}" type="datetimeFigureOut">
               <a:rPr lang="en-US" smtClean="0"/>
-              <a:t>6/1/19</a:t>
+              <a:t>7/6/21</a:t>
             </a:fld>
             <a:endParaRPr lang="en-US"/>
           </a:p>
@@ -1403,7 +1404,7 @@
           <a:p>
             <a:fld id="{9B972FE8-9A03-AC4F-B54F-FA717F7EAA99}" type="datetimeFigureOut">
               <a:rPr lang="en-US" smtClean="0"/>
-              <a:t>6/1/19</a:t>
+              <a:t>7/6/21</a:t>
             </a:fld>
             <a:endParaRPr lang="en-US"/>
           </a:p>
@@ -1815,7 +1816,7 @@
           <a:p>
             <a:fld id="{9B972FE8-9A03-AC4F-B54F-FA717F7EAA99}" type="datetimeFigureOut">
               <a:rPr lang="en-US" smtClean="0"/>
-              <a:t>6/1/19</a:t>
+              <a:t>7/6/21</a:t>
             </a:fld>
             <a:endParaRPr lang="en-US"/>
           </a:p>
@@ -1956,7 +1957,7 @@
           <a:p>
             <a:fld id="{9B972FE8-9A03-AC4F-B54F-FA717F7EAA99}" type="datetimeFigureOut">
               <a:rPr lang="en-US" smtClean="0"/>
-              <a:t>6/1/19</a:t>
+              <a:t>7/6/21</a:t>
             </a:fld>
             <a:endParaRPr lang="en-US"/>
           </a:p>
@@ -2069,7 +2070,7 @@
           <a:p>
             <a:fld id="{9B972FE8-9A03-AC4F-B54F-FA717F7EAA99}" type="datetimeFigureOut">
               <a:rPr lang="en-US" smtClean="0"/>
-              <a:t>6/1/19</a:t>
+              <a:t>7/6/21</a:t>
             </a:fld>
             <a:endParaRPr lang="en-US"/>
           </a:p>
@@ -2380,7 +2381,7 @@
           <a:p>
             <a:fld id="{9B972FE8-9A03-AC4F-B54F-FA717F7EAA99}" type="datetimeFigureOut">
               <a:rPr lang="en-US" smtClean="0"/>
-              <a:t>6/1/19</a:t>
+              <a:t>7/6/21</a:t>
             </a:fld>
             <a:endParaRPr lang="en-US"/>
           </a:p>
@@ -2668,7 +2669,7 @@
           <a:p>
             <a:fld id="{9B972FE8-9A03-AC4F-B54F-FA717F7EAA99}" type="datetimeFigureOut">
               <a:rPr lang="en-US" smtClean="0"/>
-              <a:t>6/1/19</a:t>
+              <a:t>7/6/21</a:t>
             </a:fld>
             <a:endParaRPr lang="en-US"/>
           </a:p>
@@ -2909,7 +2910,7 @@
           <a:p>
             <a:fld id="{9B972FE8-9A03-AC4F-B54F-FA717F7EAA99}" type="datetimeFigureOut">
               <a:rPr lang="en-US" smtClean="0"/>
-              <a:t>6/1/19</a:t>
+              <a:t>7/6/21</a:t>
             </a:fld>
             <a:endParaRPr lang="en-US"/>
           </a:p>
@@ -3534,6 +3535,160 @@
 </p:sld>
 </file>
 
+<file path=ppt/slides/slide2.xml><?xml version="1.0" encoding="utf-8"?>
+<p:sld xmlns:a="http://schemas.openxmlformats.org/drawingml/2006/main" xmlns:r="http://schemas.openxmlformats.org/officeDocument/2006/relationships" xmlns:p="http://schemas.openxmlformats.org/presentationml/2006/main">
+  <p:cSld>
+    <p:bg>
+      <p:bgPr>
+        <a:solidFill>
+          <a:schemeClr val="bg2">
+            <a:lumMod val="90000"/>
+          </a:schemeClr>
+        </a:solidFill>
+        <a:effectLst/>
+      </p:bgPr>
+    </p:bg>
+    <p:spTree>
+      <p:nvGrpSpPr>
+        <p:cNvPr id="1" name=""/>
+        <p:cNvGrpSpPr/>
+        <p:nvPr/>
+      </p:nvGrpSpPr>
+      <p:grpSpPr>
+        <a:xfrm>
+          <a:off x="0" y="0"/>
+          <a:ext cx="0" cy="0"/>
+          <a:chOff x="0" y="0"/>
+          <a:chExt cx="0" cy="0"/>
+        </a:xfrm>
+      </p:grpSpPr>
+      <p:pic>
+        <p:nvPicPr>
+          <p:cNvPr id="1026" name="Picture 2" descr="microsoft-sql-server-logo-96AF49E2B3-seeklogo.com - TeraBox">
+            <a:extLst>
+              <a:ext uri="{FF2B5EF4-FFF2-40B4-BE49-F238E27FC236}">
+                <a16:creationId xmlns:a16="http://schemas.microsoft.com/office/drawing/2014/main" id="{17106923-1DE0-B04F-B946-D25DD109D0DC}"/>
+              </a:ext>
+            </a:extLst>
+          </p:cNvPr>
+          <p:cNvPicPr>
+            <a:picLocks noChangeAspect="1" noChangeArrowheads="1"/>
+          </p:cNvPicPr>
+          <p:nvPr/>
+        </p:nvPicPr>
+        <p:blipFill>
+          <a:blip r:embed="rId2">
+            <a:extLst>
+              <a:ext uri="{28A0092B-C50C-407E-A947-70E740481C1C}">
+                <a14:useLocalDpi xmlns:a14="http://schemas.microsoft.com/office/drawing/2010/main" val="0"/>
+              </a:ext>
+            </a:extLst>
+          </a:blip>
+          <a:srcRect/>
+          <a:stretch>
+            <a:fillRect/>
+          </a:stretch>
+        </p:blipFill>
+        <p:spPr bwMode="auto">
+          <a:xfrm>
+            <a:off x="648746" y="1791733"/>
+            <a:ext cx="3424788" cy="2774079"/>
+          </a:xfrm>
+          <a:prstGeom prst="rect">
+            <a:avLst/>
+          </a:prstGeom>
+          <a:noFill/>
+          <a:extLst>
+            <a:ext uri="{909E8E84-426E-40DD-AFC4-6F175D3DCCD1}">
+              <a14:hiddenFill xmlns:a14="http://schemas.microsoft.com/office/drawing/2010/main">
+                <a:solidFill>
+                  <a:srgbClr val="FFFFFF"/>
+                </a:solidFill>
+              </a14:hiddenFill>
+            </a:ext>
+          </a:extLst>
+        </p:spPr>
+      </p:pic>
+      <p:sp>
+        <p:nvSpPr>
+          <p:cNvPr id="7" name="TextBox 6">
+            <a:extLst>
+              <a:ext uri="{FF2B5EF4-FFF2-40B4-BE49-F238E27FC236}">
+                <a16:creationId xmlns:a16="http://schemas.microsoft.com/office/drawing/2014/main" id="{3453C7C3-2BD0-7B46-A01C-180E1154D6C1}"/>
+              </a:ext>
+            </a:extLst>
+          </p:cNvPr>
+          <p:cNvSpPr txBox="1"/>
+          <p:nvPr/>
+        </p:nvSpPr>
+        <p:spPr>
+          <a:xfrm>
+            <a:off x="3755136" y="1791733"/>
+            <a:ext cx="7437120" cy="3046988"/>
+          </a:xfrm>
+          <a:prstGeom prst="rect">
+            <a:avLst/>
+          </a:prstGeom>
+          <a:noFill/>
+        </p:spPr>
+        <p:txBody>
+          <a:bodyPr wrap="square" rtlCol="0">
+            <a:spAutoFit/>
+          </a:bodyPr>
+          <a:lstStyle/>
+          <a:p>
+            <a:pPr lvl="2" algn="ctr"/>
+            <a:r>
+              <a:rPr lang="en-US" sz="9600">
+                <a:ln w="0"/>
+                <a:solidFill>
+                  <a:srgbClr val="C00000"/>
+                </a:solidFill>
+                <a:effectLst>
+                  <a:outerShdw blurRad="38100" dist="19050" dir="2700000" algn="tl" rotWithShape="0">
+                    <a:schemeClr val="dk1">
+                      <a:alpha val="40000"/>
+                    </a:schemeClr>
+                  </a:outerShdw>
+                </a:effectLst>
+              </a:rPr>
+              <a:t>Thu gọn</a:t>
+            </a:r>
+          </a:p>
+          <a:p>
+            <a:pPr lvl="2" algn="ctr"/>
+            <a:r>
+              <a:rPr lang="en-US" sz="9600">
+                <a:ln w="0"/>
+                <a:solidFill>
+                  <a:srgbClr val="C00000"/>
+                </a:solidFill>
+                <a:effectLst>
+                  <a:outerShdw blurRad="38100" dist="19050" dir="2700000" algn="tl" rotWithShape="0">
+                    <a:schemeClr val="dk1">
+                      <a:alpha val="40000"/>
+                    </a:schemeClr>
+                  </a:outerShdw>
+                </a:effectLst>
+              </a:rPr>
+              <a:t>DATA, LOG</a:t>
+            </a:r>
+          </a:p>
+        </p:txBody>
+      </p:sp>
+    </p:spTree>
+    <p:extLst>
+      <p:ext uri="{BB962C8B-B14F-4D97-AF65-F5344CB8AC3E}">
+        <p14:creationId xmlns:p14="http://schemas.microsoft.com/office/powerpoint/2010/main" val="2522429188"/>
+      </p:ext>
+    </p:extLst>
+  </p:cSld>
+  <p:clrMapOvr>
+    <a:masterClrMapping/>
+  </p:clrMapOvr>
+</p:sld>
+</file>
+
 <file path=ppt/theme/theme1.xml><?xml version="1.0" encoding="utf-8"?>
 <a:theme xmlns:a="http://schemas.openxmlformats.org/drawingml/2006/main" name="Office Theme">
   <a:themeElements>
